--- a/120 구매/109 자율비행 구매 계획서 8월 5주 V1.1.pptx
+++ b/120 구매/109 자율비행 구매 계획서 8월 5주 V1.1.pptx
@@ -251,7 +251,7 @@
       <p15:sldGuideLst xmlns:p15="http://schemas.microsoft.com/office/powerpoint/2012/main"/>
     </p:ext>
     <p:ext uri="http://customooxmlschemas.google.com/">
-      <go:slidesCustomData xmlns:go="http://customooxmlschemas.google.com/" xmlns:p15="http://schemas.microsoft.com/office/powerpoint/2012/main" xmlns:p14="http://schemas.microsoft.com/office/powerpoint/2010/main" xmlns:com="http://schemas.openxmlformats.org/drawingml/2006/compatibility" xmlns:pvml="urn:schemas-microsoft-com:office:powerpoint" xmlns:v="urn:schemas-microsoft-com:vml" xmlns:o="urn:schemas-microsoft-com:office:office" xmlns:dgm="http://schemas.openxmlformats.org/drawingml/2006/diagram" xmlns:c="http://schemas.openxmlformats.org/drawingml/2006/chart" xmlns:mv="urn:schemas-microsoft-com:mac:vml" xmlns:mc="http://schemas.openxmlformats.org/markup-compatibility/2006" xmlns="" r:id="rId19" roundtripDataSignature="AMtx7mhDtmrrjuDkfHFray89f3AzMYLLmw=="/>
+      <go:slidesCustomData xmlns="" xmlns:mc="http://schemas.openxmlformats.org/markup-compatibility/2006" xmlns:mv="urn:schemas-microsoft-com:mac:vml" xmlns:c="http://schemas.openxmlformats.org/drawingml/2006/chart" xmlns:dgm="http://schemas.openxmlformats.org/drawingml/2006/diagram" xmlns:o="urn:schemas-microsoft-com:office:office" xmlns:v="urn:schemas-microsoft-com:vml" xmlns:pvml="urn:schemas-microsoft-com:office:powerpoint" xmlns:com="http://schemas.openxmlformats.org/drawingml/2006/compatibility" xmlns:p14="http://schemas.microsoft.com/office/powerpoint/2010/main" xmlns:p15="http://schemas.microsoft.com/office/powerpoint/2012/main" xmlns:go="http://customooxmlschemas.google.com/" r:id="rId19" roundtripDataSignature="AMtx7mhDtmrrjuDkfHFray89f3AzMYLLmw=="/>
     </p:ext>
   </p:extLst>
 </p:presentation>
@@ -18292,7 +18292,7 @@
         </p:spPr>
         <p:txBody>
           <a:bodyPr>
-            <a:normAutofit fontScale="85000" lnSpcReduction="20000"/>
+            <a:normAutofit fontScale="77500" lnSpcReduction="20000"/>
           </a:bodyPr>
           <a:lstStyle/>
           <a:p>
@@ -18387,10 +18387,25 @@
               <a:buSzPts val="1480"/>
             </a:pPr>
             <a:r>
-              <a:rPr lang="en-US" sz="1200">
+              <a:rPr lang="en-US" sz="1200" smtClean="0">
                 <a:hlinkClick r:id="rId4"/>
               </a:rPr>
-              <a:t>http://dronewe.com/product/detail.html?product_no=2871&amp;cate_no=53&amp;display_group=1&amp;cafe_mkt=naver_ks&amp;mkt_in=Y&amp;ghost_mall_id=naver&amp;ref=naver_open&amp;NaPm=ct%3Djzqlsrf4%7Cci%3D4886e40df0deb19edc4740d3e52b09a2f71d909b%7Ctr%3Dslsl%7Csn%3D558809%7Chk%3Daef156d0fee97842b9fdd39cd0398bc689ba7b85</a:t>
+              <a:t>bc689ba7b85</a:t>
+            </a:r>
+            <a:endParaRPr lang="en-US" sz="1200" smtClean="0"/>
+          </a:p>
+          <a:p>
+            <a:pPr marL="742950" lvl="1" indent="-285750">
+              <a:lnSpc>
+                <a:spcPct val="70000"/>
+              </a:lnSpc>
+              <a:buSzPts val="1480"/>
+            </a:pPr>
+            <a:r>
+              <a:rPr lang="en-US" sz="1600">
+                <a:hlinkClick r:id="rId5"/>
+              </a:rPr>
+              <a:t>http://www.falconshop.co.kr/shop/goods/goods_view.php?goodsno=99998169&amp;inflow=naver&amp;NaPm=ct%3Djzt7w1js%7Cci%3D83c18e9929c634d8db34b9795ba1e90bfcfb8bda%7Ctr%3Dsls%7Csn%3D339775%7Chk%3D52ab15f8e1970f5bc81aabd1381637505f68c85b</a:t>
             </a:r>
             <a:endParaRPr lang="en-US" altLang="ko-KR" sz="1600" smtClean="0"/>
           </a:p>
@@ -18444,7 +18459,7 @@
             </a:pPr>
             <a:r>
               <a:rPr lang="en-US" sz="1600">
-                <a:hlinkClick r:id="rId5"/>
+                <a:hlinkClick r:id="rId6"/>
               </a:rPr>
               <a:t>http://itempage3.auction.co.kr/DetailView.aspx?ItemNo=B398486513&amp;frm3=V2</a:t>
             </a:r>
@@ -18503,31 +18518,31 @@
             </a:pPr>
             <a:r>
               <a:rPr lang="en-US" sz="1600">
-                <a:hlinkClick r:id="rId6"/>
+                <a:hlinkClick r:id="rId7"/>
               </a:rPr>
               <a:t>http://</a:t>
             </a:r>
             <a:r>
               <a:rPr lang="en-US" sz="1600" smtClean="0">
-                <a:hlinkClick r:id="rId6"/>
+                <a:hlinkClick r:id="rId7"/>
               </a:rPr>
               <a:t>ybuy.kr/product/detail.html?product_no=613&amp;cate_no=138&amp;display_group=1&amp;cafe_mkt=naver_ks&amp;mkt_in=Y&amp;ghost_mall_id=naver&amp;ref=naver_open&amp;NaPm=ct%3Djzqorlvc%7Cci%3D76a450953c2751e3f4583f393cf9af47619f66d3%7Ctr%3Dsl</a:t>
             </a:r>
             <a:r>
               <a:rPr lang="ko-KR" altLang="en-US" sz="1600" smtClean="0">
-                <a:hlinkClick r:id="rId6"/>
+                <a:hlinkClick r:id="rId7"/>
               </a:rPr>
               <a:t>니</a:t>
             </a:r>
             <a:r>
               <a:rPr lang="en-US" sz="1600" smtClean="0">
-                <a:hlinkClick r:id="rId6"/>
+                <a:hlinkClick r:id="rId7"/>
               </a:rPr>
               <a:t>%</a:t>
             </a:r>
             <a:r>
               <a:rPr lang="en-US" sz="1600">
-                <a:hlinkClick r:id="rId6"/>
+                <a:hlinkClick r:id="rId7"/>
               </a:rPr>
               <a:t>7Csn%3D337006%7Chk%3Df5c2aa833e87a12d1778de09e3baa1356d2bdfea</a:t>
             </a:r>
@@ -18573,7 +18588,7 @@
                 <a:solidFill>
                   <a:schemeClr val="hlink"/>
                 </a:solidFill>
-                <a:hlinkClick r:id="rId7"/>
+                <a:hlinkClick r:id="rId8"/>
               </a:rPr>
               <a:t>https://smartstore.naver.com/makersplanet/products/332203774?NaPm=ct%3Djwumrvjk%7Cci%3D14f23f6ad99112b8961039e916147f0750a2acd7%7Ctr%3Dslsl%7Csn%3D307839%7Cic%3D%7Chk%3Db0d8b83f0ff7c0312d4b0c49f813bc779b6d79a0</a:t>
             </a:r>
@@ -18648,13 +18663,13 @@
             </a:pPr>
             <a:r>
               <a:rPr lang="en-US" sz="1600">
-                <a:hlinkClick r:id="rId8"/>
+                <a:hlinkClick r:id="rId9"/>
               </a:rPr>
               <a:t>https://</a:t>
             </a:r>
             <a:r>
               <a:rPr lang="en-US" sz="1600" smtClean="0">
-                <a:hlinkClick r:id="rId8"/>
+                <a:hlinkClick r:id="rId9"/>
               </a:rPr>
               <a:t>smartstore.naver.com/igameplusshop/products/555471951?NaPm=ct%3Djzqphh74%7Cci%3D01a0c80b07316b9943c1670adba3574036052808%7Ctr%3Dslsl%7Csn%3D245998%7Cic%3D%7Chk%3D3ee0f32b22e9f301124f02140cbb75879b2435ed</a:t>
             </a:r>
@@ -18689,7 +18704,7 @@
                 <a:solidFill>
                   <a:schemeClr val="hlink"/>
                 </a:solidFill>
-                <a:hlinkClick r:id="rId9"/>
+                <a:hlinkClick r:id="rId10"/>
               </a:rPr>
               <a:t>http://shopping.interpark.com/product/productInfo.do?prdNo=5857692034&amp;dispNo=016001&amp;bizCd=P01397&amp;NaPm=ct%3Djtc4khjk%7Cci%3D9e2014ce6c4469f43629d031ea1288a8164215e4%7Ctr%3Dsls%7Csn%3D3%7Chk%3Dfde2f5778f7a81d7fcdc46cc00ad0bba401442d4&amp;utm_medium=affiliate&amp;utm_source=naver&amp;utm_campaign=shop_p11714_p01397&amp;utm_content=price_comparison</a:t>
             </a:r>
@@ -18724,7 +18739,7 @@
             </a:pPr>
             <a:r>
               <a:rPr lang="en-US" sz="1600">
-                <a:hlinkClick r:id="rId10"/>
+                <a:hlinkClick r:id="rId11"/>
               </a:rPr>
               <a:t>http://shopping.interpark.com/product/productInfo.do?prdNo=6164752153&amp;dispNo=016001&amp;bizCd=P01397&amp;NaPm=ct%3Djzqmzoy0%7Cci%3Ddb70d2f586790d9e9f030d6d8fea12f3a8081faa%7Ctr%3Dsls%7Csn%3D3%7Chk%3Df52c24e243a7e09250f1a69faa77a30b0fee4e9a&amp;utm_medium=affiliate&amp;utm_source=naver&amp;utm_campaign=shop_p11714_p01397&amp;utm_content=price_comparison</a:t>
             </a:r>
